--- a/docs/apresentacao/apresentacao - TEMPLATE.pptx
+++ b/docs/apresentacao/apresentacao - TEMPLATE.pptx
@@ -129,7 +129,7 @@
 <file path=ppt/revisionInfo.xml><?xml version="1.0" encoding="utf-8"?>
 <p1510:revInfo xmlns:a="http://schemas.openxmlformats.org/drawingml/2006/main" xmlns:r="http://schemas.openxmlformats.org/officeDocument/2006/relationships" xmlns:p1510="http://schemas.microsoft.com/office/powerpoint/2015/10/main">
   <p1510:revLst>
-    <p1510:client id="{1F9EB8D2-D99F-5BE7-7CC3-0B664BBC6759}" v="46" dt="2022-04-18T01:53:05.556"/>
+    <p1510:client id="{1F9EB8D2-D99F-5BE7-7CC3-0B664BBC6759}" v="117" dt="2022-04-18T02:04:13.629"/>
     <p1510:client id="{52E942D4-B2B5-4409-ACE3-BBB08DDA6A57}" v="36" dt="2022-04-14T23:54:21.867"/>
     <p1510:client id="{78A88E77-933D-47C0-A611-CB863A9B2B24}" v="154" dt="2022-04-14T19:55:06.805"/>
     <p1510:client id="{8A9DC515-FD5F-E11E-477C-E49B9C83E2DB}" v="389" dt="2022-04-18T01:50:36.190"/>
@@ -1082,11 +1082,73 @@
         <a:bodyPr/>
         <a:lstStyle/>
         <a:p>
+          <a:pPr rtl="0">
+            <a:lnSpc>
+              <a:spcPct val="100000"/>
+            </a:lnSpc>
+          </a:pPr>
           <a:r>
             <a:rPr lang="pt-BR"/>
-            <a:t>O processo de desenvolvimento das ideias do projeto foi baseado em uma reunião na sala onde foi discutido as ideias iniciais associadas ao tema, dentre os principais problemas as dores do publico-alvo e como o projeto poderia ajudar nos problemas.</a:t>
+            <a:t>O processo de desenvolvimento das ideias do projeto foi baseado </a:t>
           </a:r>
-          <a:endParaRPr lang="en-US"/>
+          <a:r>
+            <a:rPr lang="pt-BR">
+              <a:latin typeface="Century Gothic" panose="020B0502020202020204"/>
+            </a:rPr>
+            <a:t>na metodologia </a:t>
+          </a:r>
+          <a:r>
+            <a:rPr lang="pt-BR" err="1">
+              <a:latin typeface="Century Gothic" panose="020B0502020202020204"/>
+            </a:rPr>
+            <a:t>agil</a:t>
+          </a:r>
+          <a:r>
+            <a:rPr lang="pt-BR">
+              <a:latin typeface="Century Gothic" panose="020B0502020202020204"/>
+            </a:rPr>
+            <a:t> Scrum além disso foi</a:t>
+          </a:r>
+          <a:r>
+            <a:rPr lang="pt-BR"/>
+            <a:t> </a:t>
+          </a:r>
+          <a:r>
+            <a:rPr lang="pt-BR">
+              <a:latin typeface="Century Gothic" panose="020B0502020202020204"/>
+            </a:rPr>
+            <a:t>feita reuniões em </a:t>
+          </a:r>
+          <a:r>
+            <a:rPr lang="pt-BR"/>
+            <a:t>sala onde foi discutido as ideias iniciais associadas ao tema</a:t>
+          </a:r>
+          <a:r>
+            <a:rPr lang="pt-BR">
+              <a:latin typeface="Century Gothic" panose="020B0502020202020204"/>
+            </a:rPr>
+            <a:t>. Dentre</a:t>
+          </a:r>
+          <a:r>
+            <a:rPr lang="pt-BR"/>
+            <a:t> os principais problemas as dores do </a:t>
+          </a:r>
+          <a:r>
+            <a:rPr lang="pt-BR">
+              <a:latin typeface="Century Gothic" panose="020B0502020202020204"/>
+            </a:rPr>
+            <a:t>publico</a:t>
+          </a:r>
+          <a:r>
+            <a:rPr lang="pt-BR"/>
+            <a:t> e como o projeto poderia </a:t>
+          </a:r>
+          <a:r>
+            <a:rPr lang="pt-BR">
+              <a:latin typeface="Century Gothic" panose="020B0502020202020204"/>
+            </a:rPr>
+            <a:t>ajuda-las.</a:t>
+          </a:r>
         </a:p>
       </dgm:t>
     </dgm:pt>
@@ -1119,9 +1181,52 @@
         <a:bodyPr/>
         <a:lstStyle/>
         <a:p>
+          <a:pPr>
+            <a:lnSpc>
+              <a:spcPct val="100000"/>
+            </a:lnSpc>
+          </a:pPr>
           <a:r>
             <a:rPr lang="pt-BR"/>
-            <a:t>As ferramentas utilizadas foi Discord, Miro, trello, whatsapp e figma. A escolha dessas ferramentas foi baseada nos costumes e facilidades da equipe em lidar com elas.</a:t>
+            <a:t>As ferramentas utilizadas foi </a:t>
+          </a:r>
+          <a:r>
+            <a:rPr lang="pt-BR" err="1"/>
+            <a:t>Discord</a:t>
+          </a:r>
+          <a:r>
+            <a:rPr lang="pt-BR"/>
+            <a:t>, Miro, </a:t>
+          </a:r>
+          <a:r>
+            <a:rPr lang="pt-BR" err="1"/>
+            <a:t>trello</a:t>
+          </a:r>
+          <a:r>
+            <a:rPr lang="pt-BR"/>
+            <a:t>, </a:t>
+          </a:r>
+          <a:r>
+            <a:rPr lang="pt-BR" err="1"/>
+            <a:t>whatsapp</a:t>
+          </a:r>
+          <a:r>
+            <a:rPr lang="pt-BR"/>
+            <a:t> e </a:t>
+          </a:r>
+          <a:r>
+            <a:rPr lang="pt-BR" err="1"/>
+            <a:t>figma</a:t>
+          </a:r>
+          <a:r>
+            <a:rPr lang="pt-BR"/>
+            <a:t>. A escolha dessas ferramentas foi baseada nos costumes e facilidades da equipe em lidar com elas</a:t>
+          </a:r>
+          <a:r>
+            <a:rPr lang="pt-BR">
+              <a:latin typeface="Century Gothic" panose="020B0502020202020204"/>
+            </a:rPr>
+            <a:t> além das sugestões oferecidos nos materiais de apoio.</a:t>
           </a:r>
           <a:endParaRPr lang="en-US"/>
         </a:p>
@@ -1262,22 +1367,22 @@
     </dgm:pt>
   </dgm:ptLst>
   <dgm:cxnLst>
-    <dgm:cxn modelId="{244B509F-E5C6-4E2B-BCC2-0F9CCEE76F90}" type="presOf" srcId="{FAD5F6D5-352E-4C97-97DB-4777BAD52B0F}" destId="{CD47B05A-4002-40BB-A608-A5C78000C5DF}" srcOrd="0" destOrd="0" presId="urn:microsoft.com/office/officeart/2018/2/layout/IconVerticalSolidList"/>
+    <dgm:cxn modelId="{710EE227-FF8E-4780-907A-2A787107ED66}" type="presOf" srcId="{FAD5F6D5-352E-4C97-97DB-4777BAD52B0F}" destId="{CD47B05A-4002-40BB-A608-A5C78000C5DF}" srcOrd="0" destOrd="0" presId="urn:microsoft.com/office/officeart/2018/2/layout/IconVerticalSolidList"/>
+    <dgm:cxn modelId="{7197EC2E-637A-4366-A228-68D356426A3B}" type="presOf" srcId="{E2944F99-8EE2-4CB9-BBBE-AFEC8B74F82B}" destId="{C4547381-FB01-4717-8C7A-01D46AAAA551}" srcOrd="0" destOrd="0" presId="urn:microsoft.com/office/officeart/2018/2/layout/IconVerticalSolidList"/>
     <dgm:cxn modelId="{5F2406B5-D7DF-497A-A97B-CEDD4220BB7B}" type="presOf" srcId="{EC164610-FEEF-4136-B335-84259A0CA7B1}" destId="{04A8E6B9-BC78-49D4-8A72-C282432DC07D}" srcOrd="0" destOrd="0" presId="urn:microsoft.com/office/officeart/2018/2/layout/IconVerticalSolidList"/>
     <dgm:cxn modelId="{DA793FB9-82C0-4B63-B9BA-7A926EFBD276}" srcId="{EC164610-FEEF-4136-B335-84259A0CA7B1}" destId="{E2944F99-8EE2-4CB9-BBBE-AFEC8B74F82B}" srcOrd="0" destOrd="0" parTransId="{6EB7F1F8-1E77-48E3-A0DE-C65E5CEF87AC}" sibTransId="{677BCD1A-BE2A-41EF-A046-088C42D47725}"/>
-    <dgm:cxn modelId="{A02699C9-361E-4352-AF54-2D51B53CFEE9}" type="presOf" srcId="{E2944F99-8EE2-4CB9-BBBE-AFEC8B74F82B}" destId="{C4547381-FB01-4717-8C7A-01D46AAAA551}" srcOrd="0" destOrd="0" presId="urn:microsoft.com/office/officeart/2018/2/layout/IconVerticalSolidList"/>
     <dgm:cxn modelId="{BA6105ED-93CC-4E27-A1FD-E07AA8D4E6CA}" srcId="{EC164610-FEEF-4136-B335-84259A0CA7B1}" destId="{FAD5F6D5-352E-4C97-97DB-4777BAD52B0F}" srcOrd="1" destOrd="0" parTransId="{3ED33BA7-BB4F-41B6-B7D5-26D9DA6ED3C8}" sibTransId="{37552C27-5C87-44BF-8821-F22F6928E667}"/>
-    <dgm:cxn modelId="{B176753A-A76C-4091-A1AD-B324677E59D8}" type="presParOf" srcId="{04A8E6B9-BC78-49D4-8A72-C282432DC07D}" destId="{18AEF317-57A7-43D8-AFBB-E4CF36A1ACA4}" srcOrd="0" destOrd="0" presId="urn:microsoft.com/office/officeart/2018/2/layout/IconVerticalSolidList"/>
-    <dgm:cxn modelId="{C985D743-3D70-4FC9-9A38-4CA5B4D5CEEF}" type="presParOf" srcId="{18AEF317-57A7-43D8-AFBB-E4CF36A1ACA4}" destId="{BF5C1B1D-1753-443F-8270-294C05C7701C}" srcOrd="0" destOrd="0" presId="urn:microsoft.com/office/officeart/2018/2/layout/IconVerticalSolidList"/>
-    <dgm:cxn modelId="{7D13CC62-EE9C-468D-9479-6442DF360D91}" type="presParOf" srcId="{18AEF317-57A7-43D8-AFBB-E4CF36A1ACA4}" destId="{6F7CB2A3-36D6-4A62-8FA4-95E0A06E8173}" srcOrd="1" destOrd="0" presId="urn:microsoft.com/office/officeart/2018/2/layout/IconVerticalSolidList"/>
-    <dgm:cxn modelId="{000A33EE-08DF-47DF-9FE8-65011831D842}" type="presParOf" srcId="{18AEF317-57A7-43D8-AFBB-E4CF36A1ACA4}" destId="{B1305C44-C9DD-4317-86ED-CAF717954772}" srcOrd="2" destOrd="0" presId="urn:microsoft.com/office/officeart/2018/2/layout/IconVerticalSolidList"/>
-    <dgm:cxn modelId="{FEAD33D2-9DBC-499D-8500-11A0394ECF2B}" type="presParOf" srcId="{18AEF317-57A7-43D8-AFBB-E4CF36A1ACA4}" destId="{C4547381-FB01-4717-8C7A-01D46AAAA551}" srcOrd="3" destOrd="0" presId="urn:microsoft.com/office/officeart/2018/2/layout/IconVerticalSolidList"/>
-    <dgm:cxn modelId="{EE2EB012-0924-4F58-8534-90AEDB8B4EDC}" type="presParOf" srcId="{04A8E6B9-BC78-49D4-8A72-C282432DC07D}" destId="{0C36E925-C665-4AE9-9C96-74FBB6608201}" srcOrd="1" destOrd="0" presId="urn:microsoft.com/office/officeart/2018/2/layout/IconVerticalSolidList"/>
-    <dgm:cxn modelId="{E9E23162-B40C-4AB0-92E1-935D357A1C34}" type="presParOf" srcId="{04A8E6B9-BC78-49D4-8A72-C282432DC07D}" destId="{53230A31-A44F-4322-84EF-69138F4D8B5B}" srcOrd="2" destOrd="0" presId="urn:microsoft.com/office/officeart/2018/2/layout/IconVerticalSolidList"/>
-    <dgm:cxn modelId="{45D89CF7-E5C8-4079-9EB6-7DC3546B8EF6}" type="presParOf" srcId="{53230A31-A44F-4322-84EF-69138F4D8B5B}" destId="{E296B152-52BC-4373-8845-3156248CF5E0}" srcOrd="0" destOrd="0" presId="urn:microsoft.com/office/officeart/2018/2/layout/IconVerticalSolidList"/>
-    <dgm:cxn modelId="{16946D9A-7F7E-4C19-943A-E3F010C8E9A4}" type="presParOf" srcId="{53230A31-A44F-4322-84EF-69138F4D8B5B}" destId="{67FB0304-D8BA-478E-8383-A88B630F72AC}" srcOrd="1" destOrd="0" presId="urn:microsoft.com/office/officeart/2018/2/layout/IconVerticalSolidList"/>
-    <dgm:cxn modelId="{12B59BD4-5193-462E-915B-61F518C25B4F}" type="presParOf" srcId="{53230A31-A44F-4322-84EF-69138F4D8B5B}" destId="{9F50E4EF-49F2-4677-AED7-664048E97339}" srcOrd="2" destOrd="0" presId="urn:microsoft.com/office/officeart/2018/2/layout/IconVerticalSolidList"/>
-    <dgm:cxn modelId="{FD6E6F0F-F873-4017-B7A6-93322005E21D}" type="presParOf" srcId="{53230A31-A44F-4322-84EF-69138F4D8B5B}" destId="{CD47B05A-4002-40BB-A608-A5C78000C5DF}" srcOrd="3" destOrd="0" presId="urn:microsoft.com/office/officeart/2018/2/layout/IconVerticalSolidList"/>
+    <dgm:cxn modelId="{9515534F-E30E-4F69-A39E-C0979B4E284D}" type="presParOf" srcId="{04A8E6B9-BC78-49D4-8A72-C282432DC07D}" destId="{18AEF317-57A7-43D8-AFBB-E4CF36A1ACA4}" srcOrd="0" destOrd="0" presId="urn:microsoft.com/office/officeart/2018/2/layout/IconVerticalSolidList"/>
+    <dgm:cxn modelId="{F950581B-7E11-41A2-A326-5DB2D386C273}" type="presParOf" srcId="{18AEF317-57A7-43D8-AFBB-E4CF36A1ACA4}" destId="{BF5C1B1D-1753-443F-8270-294C05C7701C}" srcOrd="0" destOrd="0" presId="urn:microsoft.com/office/officeart/2018/2/layout/IconVerticalSolidList"/>
+    <dgm:cxn modelId="{E2429BAE-CF0E-4740-8C9A-2259CE026A49}" type="presParOf" srcId="{18AEF317-57A7-43D8-AFBB-E4CF36A1ACA4}" destId="{6F7CB2A3-36D6-4A62-8FA4-95E0A06E8173}" srcOrd="1" destOrd="0" presId="urn:microsoft.com/office/officeart/2018/2/layout/IconVerticalSolidList"/>
+    <dgm:cxn modelId="{ED7D101C-D116-4353-8CBC-8A0BB9053AC9}" type="presParOf" srcId="{18AEF317-57A7-43D8-AFBB-E4CF36A1ACA4}" destId="{B1305C44-C9DD-4317-86ED-CAF717954772}" srcOrd="2" destOrd="0" presId="urn:microsoft.com/office/officeart/2018/2/layout/IconVerticalSolidList"/>
+    <dgm:cxn modelId="{6F1E04F9-78B6-429D-8D4C-767CDD4357BA}" type="presParOf" srcId="{18AEF317-57A7-43D8-AFBB-E4CF36A1ACA4}" destId="{C4547381-FB01-4717-8C7A-01D46AAAA551}" srcOrd="3" destOrd="0" presId="urn:microsoft.com/office/officeart/2018/2/layout/IconVerticalSolidList"/>
+    <dgm:cxn modelId="{39B298F5-C40A-426E-AA93-B74D28B071FD}" type="presParOf" srcId="{04A8E6B9-BC78-49D4-8A72-C282432DC07D}" destId="{0C36E925-C665-4AE9-9C96-74FBB6608201}" srcOrd="1" destOrd="0" presId="urn:microsoft.com/office/officeart/2018/2/layout/IconVerticalSolidList"/>
+    <dgm:cxn modelId="{CE2DC004-2628-405F-A172-1EEBF6994F8E}" type="presParOf" srcId="{04A8E6B9-BC78-49D4-8A72-C282432DC07D}" destId="{53230A31-A44F-4322-84EF-69138F4D8B5B}" srcOrd="2" destOrd="0" presId="urn:microsoft.com/office/officeart/2018/2/layout/IconVerticalSolidList"/>
+    <dgm:cxn modelId="{EF9D27A4-19D8-4399-8736-ECADF45BB1BD}" type="presParOf" srcId="{53230A31-A44F-4322-84EF-69138F4D8B5B}" destId="{E296B152-52BC-4373-8845-3156248CF5E0}" srcOrd="0" destOrd="0" presId="urn:microsoft.com/office/officeart/2018/2/layout/IconVerticalSolidList"/>
+    <dgm:cxn modelId="{A26930F4-488F-48E2-B53D-1D0BC3405FC0}" type="presParOf" srcId="{53230A31-A44F-4322-84EF-69138F4D8B5B}" destId="{67FB0304-D8BA-478E-8383-A88B630F72AC}" srcOrd="1" destOrd="0" presId="urn:microsoft.com/office/officeart/2018/2/layout/IconVerticalSolidList"/>
+    <dgm:cxn modelId="{80049333-0E4A-4324-BC61-FB48E26B796F}" type="presParOf" srcId="{53230A31-A44F-4322-84EF-69138F4D8B5B}" destId="{9F50E4EF-49F2-4677-AED7-664048E97339}" srcOrd="2" destOrd="0" presId="urn:microsoft.com/office/officeart/2018/2/layout/IconVerticalSolidList"/>
+    <dgm:cxn modelId="{E396166F-6A09-4189-9606-7F58A7FF9D0C}" type="presParOf" srcId="{53230A31-A44F-4322-84EF-69138F4D8B5B}" destId="{CD47B05A-4002-40BB-A608-A5C78000C5DF}" srcOrd="3" destOrd="0" presId="urn:microsoft.com/office/officeart/2018/2/layout/IconVerticalSolidList"/>
   </dgm:cxnLst>
   <dgm:bg/>
   <dgm:whole/>
@@ -1424,9 +1529,9 @@
         </a:bodyPr>
         <a:lstStyle/>
         <a:p>
-          <a:pPr marL="0" lvl="0" indent="0" algn="l" defTabSz="755650">
+          <a:pPr marL="0" lvl="0" indent="0" algn="l" defTabSz="666750" rtl="0">
             <a:lnSpc>
-              <a:spcPct val="90000"/>
+              <a:spcPct val="100000"/>
             </a:lnSpc>
             <a:spcBef>
               <a:spcPct val="0"/>
@@ -1437,10 +1542,67 @@
             <a:buNone/>
           </a:pPr>
           <a:r>
-            <a:rPr lang="pt-BR" sz="1700" kern="1200"/>
-            <a:t>O processo de desenvolvimento das ideias do projeto foi baseado em uma reunião na sala onde foi discutido as ideias iniciais associadas ao tema, dentre os principais problemas as dores do publico-alvo e como o projeto poderia ajudar nos problemas.</a:t>
+            <a:rPr lang="pt-BR" sz="1500" kern="1200"/>
+            <a:t>O processo de desenvolvimento das ideias do projeto foi baseado </a:t>
           </a:r>
-          <a:endParaRPr lang="en-US" sz="1700" kern="1200"/>
+          <a:r>
+            <a:rPr lang="pt-BR" sz="1500" kern="1200">
+              <a:latin typeface="Century Gothic" panose="020B0502020202020204"/>
+            </a:rPr>
+            <a:t>na metodologia </a:t>
+          </a:r>
+          <a:r>
+            <a:rPr lang="pt-BR" sz="1500" kern="1200" err="1">
+              <a:latin typeface="Century Gothic" panose="020B0502020202020204"/>
+            </a:rPr>
+            <a:t>agil</a:t>
+          </a:r>
+          <a:r>
+            <a:rPr lang="pt-BR" sz="1500" kern="1200">
+              <a:latin typeface="Century Gothic" panose="020B0502020202020204"/>
+            </a:rPr>
+            <a:t> Scrum além disso foi</a:t>
+          </a:r>
+          <a:r>
+            <a:rPr lang="pt-BR" sz="1500" kern="1200"/>
+            <a:t> </a:t>
+          </a:r>
+          <a:r>
+            <a:rPr lang="pt-BR" sz="1500" kern="1200">
+              <a:latin typeface="Century Gothic" panose="020B0502020202020204"/>
+            </a:rPr>
+            <a:t>feita reuniões em </a:t>
+          </a:r>
+          <a:r>
+            <a:rPr lang="pt-BR" sz="1500" kern="1200"/>
+            <a:t>sala onde foi discutido as ideias iniciais associadas ao tema</a:t>
+          </a:r>
+          <a:r>
+            <a:rPr lang="pt-BR" sz="1500" kern="1200">
+              <a:latin typeface="Century Gothic" panose="020B0502020202020204"/>
+            </a:rPr>
+            <a:t>. Dentre</a:t>
+          </a:r>
+          <a:r>
+            <a:rPr lang="pt-BR" sz="1500" kern="1200"/>
+            <a:t> os principais problemas as dores do </a:t>
+          </a:r>
+          <a:r>
+            <a:rPr lang="pt-BR" sz="1500" kern="1200">
+              <a:latin typeface="Century Gothic" panose="020B0502020202020204"/>
+            </a:rPr>
+            <a:t>publico</a:t>
+          </a:r>
+          <a:r>
+            <a:rPr lang="pt-BR" sz="1500" kern="1200"/>
+            <a:t> e como o projeto poderia </a:t>
+          </a:r>
+          <a:r>
+            <a:rPr lang="pt-BR" sz="1500" kern="1200">
+              <a:latin typeface="Century Gothic" panose="020B0502020202020204"/>
+            </a:rPr>
+            <a:t>ajuda-las.</a:t>
+          </a:r>
         </a:p>
       </dsp:txBody>
       <dsp:txXfrm>
@@ -1575,9 +1737,9 @@
         </a:bodyPr>
         <a:lstStyle/>
         <a:p>
-          <a:pPr marL="0" lvl="0" indent="0" algn="l" defTabSz="755650">
+          <a:pPr marL="0" lvl="0" indent="0" algn="l" defTabSz="666750">
             <a:lnSpc>
-              <a:spcPct val="90000"/>
+              <a:spcPct val="100000"/>
             </a:lnSpc>
             <a:spcBef>
               <a:spcPct val="0"/>
@@ -1588,10 +1750,48 @@
             <a:buNone/>
           </a:pPr>
           <a:r>
-            <a:rPr lang="pt-BR" sz="1700" kern="1200"/>
-            <a:t>As ferramentas utilizadas foi Discord, Miro, trello, whatsapp e figma. A escolha dessas ferramentas foi baseada nos costumes e facilidades da equipe em lidar com elas.</a:t>
+            <a:rPr lang="pt-BR" sz="1500" kern="1200"/>
+            <a:t>As ferramentas utilizadas foi </a:t>
           </a:r>
-          <a:endParaRPr lang="en-US" sz="1700" kern="1200"/>
+          <a:r>
+            <a:rPr lang="pt-BR" sz="1500" kern="1200" err="1"/>
+            <a:t>Discord</a:t>
+          </a:r>
+          <a:r>
+            <a:rPr lang="pt-BR" sz="1500" kern="1200"/>
+            <a:t>, Miro, </a:t>
+          </a:r>
+          <a:r>
+            <a:rPr lang="pt-BR" sz="1500" kern="1200" err="1"/>
+            <a:t>trello</a:t>
+          </a:r>
+          <a:r>
+            <a:rPr lang="pt-BR" sz="1500" kern="1200"/>
+            <a:t>, </a:t>
+          </a:r>
+          <a:r>
+            <a:rPr lang="pt-BR" sz="1500" kern="1200" err="1"/>
+            <a:t>whatsapp</a:t>
+          </a:r>
+          <a:r>
+            <a:rPr lang="pt-BR" sz="1500" kern="1200"/>
+            <a:t> e </a:t>
+          </a:r>
+          <a:r>
+            <a:rPr lang="pt-BR" sz="1500" kern="1200" err="1"/>
+            <a:t>figma</a:t>
+          </a:r>
+          <a:r>
+            <a:rPr lang="pt-BR" sz="1500" kern="1200"/>
+            <a:t>. A escolha dessas ferramentas foi baseada nos costumes e facilidades da equipe em lidar com elas</a:t>
+          </a:r>
+          <a:r>
+            <a:rPr lang="pt-BR" sz="1500" kern="1200">
+              <a:latin typeface="Century Gothic" panose="020B0502020202020204"/>
+            </a:rPr>
+            <a:t> além das sugestões oferecidos nos materiais de apoio.</a:t>
+          </a:r>
+          <a:endParaRPr lang="en-US" sz="1500" kern="1200"/>
         </a:p>
       </dsp:txBody>
       <dsp:txXfrm>
@@ -9344,7 +9544,7 @@
               </a:lnSpc>
             </a:pPr>
             <a:r>
-              <a:rPr lang="pt-BR" sz="1600" b="1" dirty="0"/>
+              <a:rPr lang="pt-BR" sz="1600" b="1"/>
               <a:t>Equipe</a:t>
             </a:r>
           </a:p>
@@ -9357,7 +9557,7 @@
               <a:buChar char="•"/>
             </a:pPr>
             <a:r>
-              <a:rPr lang="pt-BR" sz="1600" dirty="0">
+              <a:rPr lang="pt-BR" sz="1600">
                 <a:latin typeface="Arial Nova"/>
               </a:rPr>
               <a:t>Gabriel da Silva Martins</a:t>
@@ -9377,13 +9577,13 @@
               <a:buChar char="•"/>
             </a:pPr>
             <a:r>
-              <a:rPr lang="pt-BR" sz="1600" dirty="0">
+              <a:rPr lang="pt-BR" sz="1600">
                 <a:latin typeface="Arial Nova"/>
               </a:rPr>
               <a:t>João Bosco Chagas </a:t>
             </a:r>
             <a:r>
-              <a:rPr lang="pt-BR" sz="1600" dirty="0" err="1">
+              <a:rPr lang="pt-BR" sz="1600" err="1">
                 <a:latin typeface="Arial Nova"/>
               </a:rPr>
               <a:t>Panzera</a:t>
@@ -9401,7 +9601,7 @@
               <a:buChar char="•"/>
             </a:pPr>
             <a:r>
-              <a:rPr lang="pt-BR" sz="1600" dirty="0">
+              <a:rPr lang="pt-BR" sz="1600">
                 <a:latin typeface="Arial Nova"/>
                 <a:ea typeface="+mn-lt"/>
                 <a:cs typeface="+mn-lt"/>
@@ -9409,7 +9609,7 @@
               <a:t>Samuel </a:t>
             </a:r>
             <a:r>
-              <a:rPr lang="pt-BR" sz="1600" dirty="0" err="1">
+              <a:rPr lang="pt-BR" sz="1600" err="1">
                 <a:latin typeface="Arial Nova"/>
                 <a:ea typeface="+mn-lt"/>
                 <a:cs typeface="+mn-lt"/>
@@ -9417,7 +9617,7 @@
               <a:t>Panzera</a:t>
             </a:r>
             <a:r>
-              <a:rPr lang="pt-BR" sz="1600" dirty="0">
+              <a:rPr lang="pt-BR" sz="1600">
                 <a:latin typeface="Arial Nova"/>
                 <a:ea typeface="+mn-lt"/>
                 <a:cs typeface="+mn-lt"/>
@@ -9439,7 +9639,7 @@
               <a:buChar char="•"/>
             </a:pPr>
             <a:r>
-              <a:rPr lang="pt-BR" sz="1600" dirty="0">
+              <a:rPr lang="pt-BR" sz="1600">
                 <a:latin typeface="Arial Nova"/>
               </a:rPr>
               <a:t>Sarah Almeida França</a:t>
@@ -9454,7 +9654,7 @@
               <a:buChar char="•"/>
             </a:pPr>
             <a:r>
-              <a:rPr lang="pt-BR" sz="1600" dirty="0">
+              <a:rPr lang="pt-BR" sz="1600">
                 <a:latin typeface="Arial Nova"/>
               </a:rPr>
               <a:t>Vinícius Simões Viana</a:t>
@@ -9466,7 +9666,7 @@
                 <a:spcPct val="90000"/>
               </a:lnSpc>
             </a:pPr>
-            <a:endParaRPr lang="pt-BR" sz="1600" dirty="0"/>
+            <a:endParaRPr lang="pt-BR" sz="1600"/>
           </a:p>
         </p:txBody>
       </p:sp>
@@ -9576,7 +9776,7 @@
           <a:p>
             <a:r>
               <a:rPr lang="pt-BR"/>
-              <a:t>Projeto da Interface</a:t>
+              <a:t>Projeto da Interface Pet Friends</a:t>
             </a:r>
           </a:p>
         </p:txBody>
@@ -9670,6 +9870,45 @@
           </a:prstGeom>
         </p:spPr>
       </p:pic>
+      <p:sp>
+        <p:nvSpPr>
+          <p:cNvPr id="5" name="CaixaDeTexto 4">
+            <a:extLst>
+              <a:ext uri="{FF2B5EF4-FFF2-40B4-BE49-F238E27FC236}">
+                <a16:creationId xmlns:a16="http://schemas.microsoft.com/office/drawing/2014/main" id="{B0AB5761-8A8A-8F52-6D59-3DDE1A5DE3B0}"/>
+              </a:ext>
+            </a:extLst>
+          </p:cNvPr>
+          <p:cNvSpPr txBox="1"/>
+          <p:nvPr/>
+        </p:nvSpPr>
+        <p:spPr>
+          <a:xfrm>
+            <a:off x="4724400" y="3200400"/>
+            <a:ext cx="2743200" cy="646331"/>
+          </a:xfrm>
+          <a:prstGeom prst="rect">
+            <a:avLst/>
+          </a:prstGeom>
+          <a:noFill/>
+        </p:spPr>
+        <p:txBody>
+          <a:bodyPr rot="0" spcFirstLastPara="0" vertOverflow="overflow" horzOverflow="overflow" vert="horz" wrap="square" lIns="91440" tIns="45720" rIns="91440" bIns="45720" numCol="1" spcCol="0" rtlCol="0" fromWordArt="0" anchor="t" anchorCtr="0" forceAA="0" compatLnSpc="1">
+            <a:prstTxWarp prst="textNoShape">
+              <a:avLst/>
+            </a:prstTxWarp>
+            <a:spAutoFit/>
+          </a:bodyPr>
+          <a:lstStyle/>
+          <a:p>
+            <a:pPr algn="l"/>
+            <a:r>
+              <a:rPr lang="pt-BR"/>
+              <a:t>Clique para adicionar texto</a:t>
+            </a:r>
+          </a:p>
+        </p:txBody>
+      </p:sp>
     </p:spTree>
     <p:extLst>
       <p:ext uri="{BB962C8B-B14F-4D97-AF65-F5344CB8AC3E}">
@@ -9727,7 +9966,7 @@
           <a:lstStyle/>
           <a:p>
             <a:r>
-              <a:rPr lang="pt-BR" dirty="0"/>
+              <a:rPr lang="pt-BR"/>
               <a:t>FIM</a:t>
             </a:r>
           </a:p>
@@ -9785,11 +10024,11 @@
           <a:lstStyle/>
           <a:p>
             <a:r>
-              <a:rPr lang="pt-BR" dirty="0"/>
+              <a:rPr lang="pt-BR"/>
               <a:t>Referencias </a:t>
             </a:r>
             <a:r>
-              <a:rPr lang="pt-BR" dirty="0" err="1"/>
+              <a:rPr lang="pt-BR" err="1"/>
               <a:t>Blibliograficas</a:t>
             </a:r>
           </a:p>
@@ -9819,14 +10058,33 @@
           <a:lstStyle/>
           <a:p>
             <a:r>
-              <a:rPr lang="pt-BR" dirty="0">
+              <a:rPr lang="pt-BR">
+                <a:solidFill>
+                  <a:schemeClr val="accent4">
+                    <a:lumMod val="60000"/>
+                    <a:lumOff val="40000"/>
+                  </a:schemeClr>
+                </a:solidFill>
                 <a:ea typeface="+mj-lt"/>
                 <a:cs typeface="+mj-lt"/>
-                <a:hlinkClick r:id="rId2"/>
+                <a:hlinkClick r:id="rId2">
+                  <a:extLst>
+                    <a:ext uri="{A12FA001-AC4F-418D-AE19-62706E023703}">
+                      <ahyp:hlinkClr xmlns:ahyp="http://schemas.microsoft.com/office/drawing/2018/hyperlinkcolor" val="tx"/>
+                    </a:ext>
+                  </a:extLst>
+                </a:hlinkClick>
               </a:rPr>
               <a:t>https://thispersondoesnotexist.com/</a:t>
             </a:r>
-            <a:endParaRPr lang="pt-BR"/>
+            <a:endParaRPr lang="pt-BR">
+              <a:solidFill>
+                <a:schemeClr val="accent4">
+                  <a:lumMod val="60000"/>
+                  <a:lumOff val="40000"/>
+                </a:schemeClr>
+              </a:solidFill>
+            </a:endParaRPr>
           </a:p>
           <a:p>
             <a:pPr>
@@ -9835,14 +10093,33 @@
               </a:buClr>
             </a:pPr>
             <a:r>
-              <a:rPr lang="pt-BR" dirty="0">
+              <a:rPr lang="pt-BR">
+                <a:solidFill>
+                  <a:schemeClr val="accent4">
+                    <a:lumMod val="60000"/>
+                    <a:lumOff val="40000"/>
+                  </a:schemeClr>
+                </a:solidFill>
                 <a:ea typeface="+mj-lt"/>
                 <a:cs typeface="+mj-lt"/>
-                <a:hlinkClick r:id="rId3"/>
+                <a:hlinkClick r:id="rId3">
+                  <a:extLst>
+                    <a:ext uri="{A12FA001-AC4F-418D-AE19-62706E023703}">
+                      <ahyp:hlinkClr xmlns:ahyp="http://schemas.microsoft.com/office/drawing/2018/hyperlinkcolor" val="tx"/>
+                    </a:ext>
+                  </a:extLst>
+                </a:hlinkClick>
               </a:rPr>
               <a:t>https://generated.photos/</a:t>
             </a:r>
-            <a:endParaRPr lang="pt-BR"/>
+            <a:endParaRPr lang="pt-BR">
+              <a:solidFill>
+                <a:schemeClr val="accent4">
+                  <a:lumMod val="60000"/>
+                  <a:lumOff val="40000"/>
+                </a:schemeClr>
+              </a:solidFill>
+            </a:endParaRPr>
           </a:p>
           <a:p>
             <a:pPr>
@@ -9851,14 +10128,32 @@
               </a:buClr>
             </a:pPr>
             <a:r>
-              <a:rPr lang="pt-BR" dirty="0">
+              <a:rPr lang="pt-BR">
+                <a:solidFill>
+                  <a:schemeClr val="accent4">
+                    <a:lumMod val="60000"/>
+                    <a:lumOff val="40000"/>
+                  </a:schemeClr>
+                </a:solidFill>
                 <a:ea typeface="+mj-lt"/>
                 <a:cs typeface="+mj-lt"/>
-                <a:hlinkClick r:id="rId4"/>
+                <a:hlinkClick r:id="rId4">
+                  <a:extLst>
+                    <a:ext uri="{A12FA001-AC4F-418D-AE19-62706E023703}">
+                      <ahyp:hlinkClr xmlns:ahyp="http://schemas.microsoft.com/office/drawing/2018/hyperlinkcolor" val="tx"/>
+                    </a:ext>
+                  </a:extLst>
+                </a:hlinkClick>
               </a:rPr>
               <a:t>https://guiadamonografia.com.br/como-montar-justificativa-do-tcc/</a:t>
             </a:r>
             <a:endParaRPr lang="pt-BR">
+              <a:solidFill>
+                <a:schemeClr val="accent4">
+                  <a:lumMod val="60000"/>
+                  <a:lumOff val="40000"/>
+                </a:schemeClr>
+              </a:solidFill>
               <a:ea typeface="+mj-lt"/>
               <a:cs typeface="+mj-lt"/>
             </a:endParaRPr>
@@ -9869,7 +10164,14 @@
                 <a:srgbClr val="8AD0D6"/>
               </a:buClr>
             </a:pPr>
-            <a:endParaRPr lang="pt-BR" dirty="0"/>
+            <a:endParaRPr lang="pt-BR">
+              <a:solidFill>
+                <a:schemeClr val="accent4">
+                  <a:lumMod val="60000"/>
+                  <a:lumOff val="40000"/>
+                </a:schemeClr>
+              </a:solidFill>
+            </a:endParaRPr>
           </a:p>
         </p:txBody>
       </p:sp>
@@ -9925,7 +10227,7 @@
           <a:lstStyle/>
           <a:p>
             <a:r>
-              <a:rPr lang="pt-BR" dirty="0"/>
+              <a:rPr lang="pt-BR"/>
               <a:t>Contexto Do Problema</a:t>
             </a:r>
           </a:p>
@@ -10338,7 +10640,7 @@
           <a:lstStyle/>
           <a:p>
             <a:r>
-              <a:rPr lang="pt-BR" dirty="0"/>
+              <a:rPr lang="pt-BR"/>
               <a:t>Justificativa</a:t>
             </a:r>
           </a:p>
@@ -10373,21 +10675,21 @@
           <a:lstStyle/>
           <a:p>
             <a:r>
-              <a:rPr lang="pt-BR" dirty="0">
+              <a:rPr lang="pt-BR">
                 <a:ea typeface="+mj-lt"/>
                 <a:cs typeface="+mj-lt"/>
               </a:rPr>
               <a:t>O que foi essencial para o compreendimento e realização desse projeto foi entender a necessidade das pessoas em questão de custo e conforto do seu PET transformando em uma opção viável, rápida e confiável além também da alternativa de uma pessoa ter uma renda extra realizando serviços de cuidados </a:t>
             </a:r>
             <a:r>
-              <a:rPr lang="pt-BR" dirty="0" err="1">
+              <a:rPr lang="pt-BR" err="1">
                 <a:ea typeface="+mj-lt"/>
                 <a:cs typeface="+mj-lt"/>
               </a:rPr>
               <a:t>PETs</a:t>
             </a:r>
             <a:r>
-              <a:rPr lang="pt-BR" dirty="0">
+              <a:rPr lang="pt-BR">
                 <a:ea typeface="+mj-lt"/>
                 <a:cs typeface="+mj-lt"/>
               </a:rPr>
@@ -10401,77 +10703,77 @@
               </a:buClr>
             </a:pPr>
             <a:r>
-              <a:rPr lang="pt-BR" dirty="0">
+              <a:rPr lang="pt-BR">
                 <a:ea typeface="+mj-lt"/>
                 <a:cs typeface="+mj-lt"/>
               </a:rPr>
               <a:t>Com base nas pesquisas realizadas pelo </a:t>
             </a:r>
             <a:r>
-              <a:rPr lang="pt-BR" dirty="0" err="1">
+              <a:rPr lang="pt-BR" err="1">
                 <a:ea typeface="+mj-lt"/>
                 <a:cs typeface="+mj-lt"/>
               </a:rPr>
               <a:t>proprio</a:t>
             </a:r>
             <a:r>
-              <a:rPr lang="pt-BR" dirty="0">
+              <a:rPr lang="pt-BR">
                 <a:ea typeface="+mj-lt"/>
                 <a:cs typeface="+mj-lt"/>
               </a:rPr>
               <a:t> grupo foi confirmado toda a teoria por trás e a necessidade de se conectar com 2 </a:t>
             </a:r>
             <a:r>
-              <a:rPr lang="pt-BR" dirty="0" err="1">
+              <a:rPr lang="pt-BR" err="1">
                 <a:ea typeface="+mj-lt"/>
                 <a:cs typeface="+mj-lt"/>
               </a:rPr>
               <a:t>publicos</a:t>
             </a:r>
             <a:r>
-              <a:rPr lang="pt-BR" dirty="0">
+              <a:rPr lang="pt-BR">
                 <a:ea typeface="+mj-lt"/>
                 <a:cs typeface="+mj-lt"/>
               </a:rPr>
               <a:t>, aqueles que vão prestar o serviço e aqueles que vão contratar o serviço e aproximadamente 72% dos entrevistados preferem a visita de um </a:t>
             </a:r>
             <a:r>
-              <a:rPr lang="pt-BR" dirty="0" err="1">
+              <a:rPr lang="pt-BR" err="1">
                 <a:ea typeface="+mj-lt"/>
                 <a:cs typeface="+mj-lt"/>
               </a:rPr>
               <a:t>PettSiter</a:t>
             </a:r>
             <a:r>
-              <a:rPr lang="pt-BR" dirty="0">
+              <a:rPr lang="pt-BR">
                 <a:ea typeface="+mj-lt"/>
                 <a:cs typeface="+mj-lt"/>
               </a:rPr>
               <a:t> em sua casa devido ao conforto </a:t>
             </a:r>
             <a:r>
-              <a:rPr lang="pt-BR" dirty="0" err="1">
+              <a:rPr lang="pt-BR" err="1">
                 <a:ea typeface="+mj-lt"/>
                 <a:cs typeface="+mj-lt"/>
               </a:rPr>
               <a:t>ja</a:t>
             </a:r>
             <a:r>
-              <a:rPr lang="pt-BR" dirty="0">
+              <a:rPr lang="pt-BR">
                 <a:ea typeface="+mj-lt"/>
                 <a:cs typeface="+mj-lt"/>
               </a:rPr>
               <a:t> oferecido e por </a:t>
             </a:r>
             <a:r>
-              <a:rPr lang="pt-BR" dirty="0" err="1">
+              <a:rPr lang="pt-BR" err="1">
                 <a:ea typeface="+mj-lt"/>
                 <a:cs typeface="+mj-lt"/>
               </a:rPr>
               <a:t>ja</a:t>
             </a:r>
             <a:r>
-              <a:rPr lang="pt-BR" dirty="0">
+              <a:rPr lang="pt-BR">
                 <a:ea typeface="+mj-lt"/>
                 <a:cs typeface="+mj-lt"/>
               </a:rPr>
@@ -10563,13 +10865,13 @@
           <a:lstStyle/>
           <a:p>
             <a:r>
-              <a:rPr lang="pt-BR" dirty="0">
+              <a:rPr lang="pt-BR">
                 <a:ea typeface="+mj-lt"/>
                 <a:cs typeface="+mj-lt"/>
               </a:rPr>
               <a:t>Desta forma, nós propomos uma site em que donos de pets e cuidadores poderão se encontrar de forma efetiva, o nosso trabalho procura realizar uma conexão entre os 2 usuários. Nessa plataforma, os donos solicitaram os serviços que desejam e os cuidadores terão as oportunidades que desejam. Aqui, em Pets Friends, os donos encontrarão pessoas qualificadas e confiáveis que olharão seus pets com os devidos cuidados e os cuidadores poderão realizar quais serviços se interessarem em torno de sua própria disponibilidade.</a:t>
             </a:r>
-            <a:endParaRPr lang="pt-BR" dirty="0"/>
+            <a:endParaRPr lang="pt-BR"/>
           </a:p>
         </p:txBody>
       </p:sp>
@@ -10630,7 +10932,7 @@
           <a:lstStyle/>
           <a:p>
             <a:r>
-              <a:rPr lang="pt-BR" dirty="0"/>
+              <a:rPr lang="pt-BR"/>
               <a:t>Persona 1</a:t>
             </a:r>
           </a:p>
@@ -10766,7 +11068,7 @@
           </a:lstStyle>
           <a:p>
             <a:r>
-              <a:rPr lang="pt-BR" dirty="0"/>
+              <a:rPr lang="pt-BR"/>
               <a:t>Persona 2</a:t>
             </a:r>
           </a:p>
@@ -10859,7 +11161,7 @@
           <a:lstStyle/>
           <a:p>
             <a:r>
-              <a:rPr lang="pt-BR" dirty="0"/>
+              <a:rPr lang="pt-BR"/>
               <a:t>Persona 3                         Persona 4</a:t>
             </a:r>
           </a:p>
@@ -11014,13 +11316,13 @@
               <a:buNone/>
             </a:pPr>
             <a:r>
-              <a:rPr lang="pt-BR" dirty="0">
+              <a:rPr lang="pt-BR">
                 <a:ea typeface="+mj-lt"/>
                 <a:cs typeface="+mj-lt"/>
               </a:rPr>
               <a:t>Requisitos Funcionais</a:t>
             </a:r>
-            <a:endParaRPr lang="pt-BR" dirty="0"/>
+            <a:endParaRPr lang="pt-BR"/>
           </a:p>
           <a:p>
             <a:pPr marL="0" indent="0">
@@ -11328,13 +11630,13 @@
               <a:buNone/>
             </a:pPr>
             <a:r>
-              <a:rPr lang="pt-BR" dirty="0">
+              <a:rPr lang="pt-BR">
                 <a:ea typeface="+mj-lt"/>
                 <a:cs typeface="+mj-lt"/>
               </a:rPr>
               <a:t>Requisitos Não-Funcionais</a:t>
             </a:r>
-            <a:endParaRPr lang="pt-BR" dirty="0"/>
+            <a:endParaRPr lang="pt-BR"/>
           </a:p>
           <a:p>
             <a:pPr marL="0" indent="0">
@@ -11490,13 +11792,13 @@
             <p:ph idx="1"/>
             <p:extLst>
               <p:ext uri="{D42A27DB-BD31-4B8C-83A1-F6EECF244321}">
-                <p14:modId xmlns:p14="http://schemas.microsoft.com/office/powerpoint/2010/main" val="301008169"/>
+                <p14:modId xmlns:p14="http://schemas.microsoft.com/office/powerpoint/2010/main" val="1493767548"/>
               </p:ext>
             </p:extLst>
           </p:nvPr>
         </p:nvGraphicFramePr>
         <p:xfrm>
-          <a:off x="906306" y="1359500"/>
+          <a:off x="971354" y="1015671"/>
           <a:ext cx="9404352" cy="4056434"/>
         </p:xfrm>
         <a:graphic>
